--- a/02_intro_neural_networks/Intro_to_neural_networks.pptx
+++ b/02_intro_neural_networks/Intro_to_neural_networks.pptx
@@ -248,7 +248,7 @@
           <a:p>
             <a:fld id="{8080A489-9093-C54A-B1C3-374F661A0010}" type="datetimeFigureOut">
               <a:rPr lang="en-US" smtClean="0"/>
-              <a:t>10/5/24</a:t>
+              <a:t>10/8/24</a:t>
             </a:fld>
             <a:endParaRPr lang="en-US"/>
           </a:p>
@@ -564,7 +564,7 @@
           <a:noFill/>
           <a:extLst>
             <a:ext uri="{909E8E84-426E-40dd-AFC4-6F175D3DCCD1}">
-              <a14:hiddenFill xmlns:a14="http://schemas.microsoft.com/office/drawing/2010/main" xmlns="">
+              <a14:hiddenFill xmlns="" xmlns:a14="http://schemas.microsoft.com/office/drawing/2010/main">
                 <a:solidFill>
                   <a:srgbClr val="FFFFFF"/>
                 </a:solidFill>
@@ -3547,7 +3547,7 @@
           <a:noFill/>
           <a:extLst>
             <a:ext uri="{909E8E84-426E-40dd-AFC4-6F175D3DCCD1}">
-              <a14:hiddenFill xmlns:a14="http://schemas.microsoft.com/office/drawing/2010/main" xmlns="">
+              <a14:hiddenFill xmlns="" xmlns:a14="http://schemas.microsoft.com/office/drawing/2010/main">
                 <a:solidFill>
                   <a:srgbClr val="FFFFFF"/>
                 </a:solidFill>
@@ -4069,7 +4069,7 @@
           <a:noFill/>
           <a:extLst>
             <a:ext uri="{909E8E84-426E-40dd-AFC4-6F175D3DCCD1}">
-              <a14:hiddenFill xmlns:a14="http://schemas.microsoft.com/office/drawing/2010/main" xmlns="">
+              <a14:hiddenFill xmlns="" xmlns:a14="http://schemas.microsoft.com/office/drawing/2010/main">
                 <a:solidFill>
                   <a:srgbClr val="FFFFFF"/>
                 </a:solidFill>
@@ -4983,7 +4983,7 @@
           <a:noFill/>
           <a:extLst>
             <a:ext uri="{909E8E84-426E-40dd-AFC4-6F175D3DCCD1}">
-              <a14:hiddenFill xmlns:a14="http://schemas.microsoft.com/office/drawing/2010/main" xmlns="">
+              <a14:hiddenFill xmlns="" xmlns:a14="http://schemas.microsoft.com/office/drawing/2010/main">
                 <a:solidFill>
                   <a:srgbClr val="FFFFFF"/>
                 </a:solidFill>
@@ -5743,7 +5743,7 @@
           <a:noFill/>
           <a:extLst>
             <a:ext uri="{909E8E84-426E-40dd-AFC4-6F175D3DCCD1}">
-              <a14:hiddenFill xmlns:a14="http://schemas.microsoft.com/office/drawing/2010/main" xmlns="">
+              <a14:hiddenFill xmlns="" xmlns:a14="http://schemas.microsoft.com/office/drawing/2010/main">
                 <a:solidFill>
                   <a:srgbClr val="FFFFFF"/>
                 </a:solidFill>
@@ -6537,7 +6537,7 @@
           <a:noFill/>
           <a:extLst>
             <a:ext uri="{909E8E84-426E-40dd-AFC4-6F175D3DCCD1}">
-              <a14:hiddenFill xmlns:a14="http://schemas.microsoft.com/office/drawing/2010/main" xmlns="">
+              <a14:hiddenFill xmlns="" xmlns:a14="http://schemas.microsoft.com/office/drawing/2010/main">
                 <a:solidFill>
                   <a:srgbClr val="FFFFFF"/>
                 </a:solidFill>
@@ -12467,7 +12467,7 @@
           <a:noFill/>
           <a:extLst>
             <a:ext uri="{909E8E84-426E-40dd-AFC4-6F175D3DCCD1}">
-              <a14:hiddenFill xmlns:a14="http://schemas.microsoft.com/office/drawing/2010/main" xmlns="">
+              <a14:hiddenFill xmlns="" xmlns:a14="http://schemas.microsoft.com/office/drawing/2010/main">
                 <a:solidFill>
                   <a:srgbClr val="FFFFFF"/>
                 </a:solidFill>
@@ -14549,8 +14549,13 @@
           <a:p>
             <a:r>
               <a:rPr lang="en-US" dirty="0"/>
-              <a:t>Google collab</a:t>
-            </a:r>
+              <a:t>Google </a:t>
+            </a:r>
+            <a:r>
+              <a:rPr lang="en-US"/>
+              <a:t>colab</a:t>
+            </a:r>
+            <a:endParaRPr lang="en-US" dirty="0"/>
           </a:p>
         </p:txBody>
       </p:sp>

--- a/02_intro_neural_networks/Intro_to_neural_networks.pptx
+++ b/02_intro_neural_networks/Intro_to_neural_networks.pptx
@@ -13168,7 +13168,7 @@
           <a:p>
             <a:r>
               <a:rPr lang="en-US" dirty="0"/>
-              <a:t>ALCF, MCS</a:t>
+              <a:t>ALCF</a:t>
             </a:r>
           </a:p>
         </p:txBody>
@@ -13644,7 +13644,7 @@
                             </p:stCondLst>
                             <p:childTnLst>
                               <p:par>
-                                <p:cTn id="5" presetID="1" presetClass="entr" presetSubtype="0" fill="hold" nodeType="clickEffect">
+                                <p:cTn id="5" presetID="1" presetClass="entr" presetSubtype="0" fill="hold" grpId="0" nodeType="clickEffect">
                                   <p:stCondLst>
                                     <p:cond delay="0"/>
                                   </p:stCondLst>
@@ -13657,11 +13657,7 @@
                                           </p:stCondLst>
                                         </p:cTn>
                                         <p:tgtEl>
-                                          <p:spTgt spid="6">
-                                            <p:txEl>
-                                              <p:pRg st="0" end="0"/>
-                                            </p:txEl>
-                                          </p:spTgt>
+                                          <p:spTgt spid="6"/>
                                         </p:tgtEl>
                                         <p:attrNameLst>
                                           <p:attrName>style.visibility</p:attrName>
@@ -13792,6 +13788,7 @@
       </p:par>
     </p:tnLst>
     <p:bldLst>
+      <p:bldP spid="6" grpId="0"/>
       <p:bldP spid="8" grpId="0" animBg="1"/>
       <p:bldP spid="12" grpId="0" animBg="1"/>
     </p:bldLst>
@@ -14552,7 +14549,7 @@
               <a:t>Google </a:t>
             </a:r>
             <a:r>
-              <a:rPr lang="en-US"/>
+              <a:rPr lang="en-US" dirty="0" err="1"/>
               <a:t>colab</a:t>
             </a:r>
             <a:endParaRPr lang="en-US" dirty="0"/>
